--- a/apresentacoes/Aula2/Etapa3/Etapa3.pptx
+++ b/apresentacoes/Aula2/Etapa3/Etapa3.pptx
@@ -283,7 +283,7 @@
       </p15:sldGuideLst>
     </p:ext>
     <p:ext uri="http://customooxmlschemas.google.com/">
-      <go:slidesCustomData xmlns:go="http://customooxmlschemas.google.com/" xmlns:ahyp="http://schemas.microsoft.com/office/drawing/2018/hyperlinkcolor" xmlns:p15="http://schemas.microsoft.com/office/powerpoint/2012/main" xmlns:p14="http://schemas.microsoft.com/office/powerpoint/2010/main" xmlns:com="http://schemas.openxmlformats.org/drawingml/2006/compatibility" xmlns:pvml="urn:schemas-microsoft-com:office:powerpoint" xmlns:v="urn:schemas-microsoft-com:vml" xmlns:o="urn:schemas-microsoft-com:office:office" xmlns:dgm="http://schemas.openxmlformats.org/drawingml/2006/diagram" xmlns:c="http://schemas.openxmlformats.org/drawingml/2006/chart" xmlns:mv="urn:schemas-microsoft-com:mac:vml" xmlns:mc="http://schemas.openxmlformats.org/markup-compatibility/2006" xmlns="" r:id="rId34" roundtripDataSignature="AMtx7mij1fsZUe5V3lBG5qQcqOvrI5UhJw=="/>
+      <go:slidesCustomData xmlns="" xmlns:mc="http://schemas.openxmlformats.org/markup-compatibility/2006" xmlns:mv="urn:schemas-microsoft-com:mac:vml" xmlns:c="http://schemas.openxmlformats.org/drawingml/2006/chart" xmlns:dgm="http://schemas.openxmlformats.org/drawingml/2006/diagram" xmlns:o="urn:schemas-microsoft-com:office:office" xmlns:v="urn:schemas-microsoft-com:vml" xmlns:pvml="urn:schemas-microsoft-com:office:powerpoint" xmlns:com="http://schemas.openxmlformats.org/drawingml/2006/compatibility" xmlns:p14="http://schemas.microsoft.com/office/powerpoint/2010/main" xmlns:p15="http://schemas.microsoft.com/office/powerpoint/2012/main" xmlns:ahyp="http://schemas.microsoft.com/office/drawing/2018/hyperlinkcolor" xmlns:go="http://customooxmlschemas.google.com/" r:id="rId34" roundtripDataSignature="AMtx7mij1fsZUe5V3lBG5qQcqOvrI5UhJw=="/>
     </p:ext>
   </p:extLst>
 </p:presentation>
@@ -20759,7 +20759,7 @@
         <p:fade/>
       </p:transition>
     </mc:Choice>
-    <mc:Fallback xmlns="" xmlns:mv="urn:schemas-microsoft-com:mac:vml" xmlns:c="http://schemas.openxmlformats.org/drawingml/2006/chart" xmlns:dgm="http://schemas.openxmlformats.org/drawingml/2006/diagram" xmlns:o="urn:schemas-microsoft-com:office:office" xmlns:v="urn:schemas-microsoft-com:vml" xmlns:pvml="urn:schemas-microsoft-com:office:powerpoint" xmlns:com="http://schemas.openxmlformats.org/drawingml/2006/compatibility" xmlns:p15="http://schemas.microsoft.com/office/powerpoint/2012/main" xmlns:ahyp="http://schemas.microsoft.com/office/drawing/2018/hyperlinkcolor">
+    <mc:Fallback xmlns:ahyp="http://schemas.microsoft.com/office/drawing/2018/hyperlinkcolor" xmlns:p15="http://schemas.microsoft.com/office/powerpoint/2012/main" xmlns:com="http://schemas.openxmlformats.org/drawingml/2006/compatibility" xmlns:pvml="urn:schemas-microsoft-com:office:powerpoint" xmlns:v="urn:schemas-microsoft-com:vml" xmlns:o="urn:schemas-microsoft-com:office:office" xmlns:dgm="http://schemas.openxmlformats.org/drawingml/2006/diagram" xmlns:c="http://schemas.openxmlformats.org/drawingml/2006/chart" xmlns:mv="urn:schemas-microsoft-com:mac:vml" xmlns="">
       <p:transition spd="slow">
         <p:fade/>
       </p:transition>
@@ -21582,10 +21582,10 @@
       </p:sp>
       <p:pic>
         <p:nvPicPr>
-          <p:cNvPr id="13" name="Imagem 12">
+          <p:cNvPr id="14" name="Imagem 13">
             <a:extLst>
               <a:ext uri="{FF2B5EF4-FFF2-40B4-BE49-F238E27FC236}">
-                <a16:creationId xmlns:a16="http://schemas.microsoft.com/office/drawing/2014/main" id="{869FE389-4A58-49C3-8D88-CEAADE0E4788}"/>
+                <a16:creationId xmlns:a16="http://schemas.microsoft.com/office/drawing/2014/main" id="{F2DF76A1-1017-4F6D-85B8-9B7ADFE3171A}"/>
               </a:ext>
             </a:extLst>
           </p:cNvPr>
@@ -21602,8 +21602,8 @@
         </p:blipFill>
         <p:spPr>
           <a:xfrm>
-            <a:off x="7888407" y="3555365"/>
-            <a:ext cx="1098017" cy="1098017"/>
+            <a:off x="7196362" y="2461450"/>
+            <a:ext cx="1938293" cy="2349447"/>
           </a:xfrm>
           <a:prstGeom prst="rect">
             <a:avLst/>
@@ -21621,7 +21621,7 @@
         <p:fade/>
       </p:transition>
     </mc:Choice>
-    <mc:Fallback xmlns:ahyp="http://schemas.microsoft.com/office/drawing/2018/hyperlinkcolor" xmlns:p15="http://schemas.microsoft.com/office/powerpoint/2012/main" xmlns:com="http://schemas.openxmlformats.org/drawingml/2006/compatibility" xmlns:pvml="urn:schemas-microsoft-com:office:powerpoint" xmlns:v="urn:schemas-microsoft-com:vml" xmlns:o="urn:schemas-microsoft-com:office:office" xmlns:dgm="http://schemas.openxmlformats.org/drawingml/2006/diagram" xmlns:c="http://schemas.openxmlformats.org/drawingml/2006/chart" xmlns:mv="urn:schemas-microsoft-com:mac:vml" xmlns="">
+    <mc:Fallback xmlns="" xmlns:mv="urn:schemas-microsoft-com:mac:vml" xmlns:c="http://schemas.openxmlformats.org/drawingml/2006/chart" xmlns:dgm="http://schemas.openxmlformats.org/drawingml/2006/diagram" xmlns:o="urn:schemas-microsoft-com:office:office" xmlns:v="urn:schemas-microsoft-com:vml" xmlns:pvml="urn:schemas-microsoft-com:office:powerpoint" xmlns:com="http://schemas.openxmlformats.org/drawingml/2006/compatibility" xmlns:p15="http://schemas.microsoft.com/office/powerpoint/2012/main" xmlns:ahyp="http://schemas.microsoft.com/office/drawing/2018/hyperlinkcolor">
       <p:transition spd="slow">
         <p:fade/>
       </p:transition>

--- a/apresentacoes/Aula2/Etapa3/Etapa3.pptx
+++ b/apresentacoes/Aula2/Etapa3/Etapa3.pptx
@@ -6,36 +6,37 @@
     <p:sldMasterId id="2147483655" r:id="rId2"/>
   </p:sldMasterIdLst>
   <p:notesMasterIdLst>
-    <p:notesMasterId r:id="rId6"/>
+    <p:notesMasterId r:id="rId7"/>
   </p:notesMasterIdLst>
   <p:sldIdLst>
     <p:sldId id="258" r:id="rId3"/>
     <p:sldId id="273" r:id="rId4"/>
-    <p:sldId id="262" r:id="rId5"/>
+    <p:sldId id="282" r:id="rId5"/>
+    <p:sldId id="262" r:id="rId6"/>
   </p:sldIdLst>
   <p:sldSz cx="9144000" cy="5143500" type="screen16x9"/>
   <p:notesSz cx="6858000" cy="9144000"/>
   <p:embeddedFontLst>
     <p:embeddedFont>
       <p:font typeface="Calibri" panose="020F0502020204030204" pitchFamily="34" charset="0"/>
-      <p:regular r:id="rId7"/>
-      <p:bold r:id="rId8"/>
-      <p:italic r:id="rId9"/>
-      <p:boldItalic r:id="rId10"/>
+      <p:regular r:id="rId8"/>
+      <p:bold r:id="rId9"/>
+      <p:italic r:id="rId10"/>
+      <p:boldItalic r:id="rId11"/>
     </p:embeddedFont>
     <p:embeddedFont>
       <p:font typeface="Century Gothic" panose="020B0502020202020204" pitchFamily="34" charset="0"/>
-      <p:regular r:id="rId11"/>
-      <p:bold r:id="rId12"/>
-      <p:italic r:id="rId13"/>
-      <p:boldItalic r:id="rId14"/>
+      <p:regular r:id="rId12"/>
+      <p:bold r:id="rId13"/>
+      <p:italic r:id="rId14"/>
+      <p:boldItalic r:id="rId15"/>
     </p:embeddedFont>
     <p:embeddedFont>
       <p:font typeface="Proxima Nova" panose="020B0604020202020204" charset="0"/>
-      <p:regular r:id="rId15"/>
-      <p:bold r:id="rId16"/>
-      <p:italic r:id="rId17"/>
-      <p:boldItalic r:id="rId18"/>
+      <p:regular r:id="rId16"/>
+      <p:bold r:id="rId17"/>
+      <p:italic r:id="rId18"/>
+      <p:boldItalic r:id="rId19"/>
     </p:embeddedFont>
   </p:embeddedFontLst>
   <p:defaultTextStyle>
@@ -1121,6 +1122,137 @@
 </file>
 
 <file path=ppt/notesSlides/notesSlide3.xml><?xml version="1.0" encoding="utf-8"?>
+<p:notes xmlns:a="http://schemas.openxmlformats.org/drawingml/2006/main" xmlns:r="http://schemas.openxmlformats.org/officeDocument/2006/relationships" xmlns:p="http://schemas.openxmlformats.org/presentationml/2006/main" showMasterSp="0" showMasterPhAnim="0">
+  <p:cSld>
+    <p:spTree>
+      <p:nvGrpSpPr>
+        <p:cNvPr id="1" name="Shape 206"/>
+        <p:cNvGrpSpPr/>
+        <p:nvPr/>
+      </p:nvGrpSpPr>
+      <p:grpSpPr>
+        <a:xfrm>
+          <a:off x="0" y="0"/>
+          <a:ext cx="0" cy="0"/>
+          <a:chOff x="0" y="0"/>
+          <a:chExt cx="0" cy="0"/>
+        </a:xfrm>
+      </p:grpSpPr>
+      <p:sp>
+        <p:nvSpPr>
+          <p:cNvPr id="207" name="Google Shape;207;p19:notes"/>
+          <p:cNvSpPr>
+            <a:spLocks noGrp="1" noRot="1" noChangeAspect="1"/>
+          </p:cNvSpPr>
+          <p:nvPr>
+            <p:ph type="sldImg" idx="2"/>
+          </p:nvPr>
+        </p:nvSpPr>
+        <p:spPr>
+          <a:xfrm>
+            <a:off x="381000" y="685800"/>
+            <a:ext cx="6096000" cy="3429000"/>
+          </a:xfrm>
+          <a:custGeom>
+            <a:avLst/>
+            <a:gdLst/>
+            <a:ahLst/>
+            <a:cxnLst/>
+            <a:rect l="l" t="t" r="r" b="b"/>
+            <a:pathLst>
+              <a:path w="120000" h="120000" extrusionOk="0">
+                <a:moveTo>
+                  <a:pt x="0" y="0"/>
+                </a:moveTo>
+                <a:lnTo>
+                  <a:pt x="120000" y="0"/>
+                </a:lnTo>
+                <a:lnTo>
+                  <a:pt x="120000" y="120000"/>
+                </a:lnTo>
+                <a:lnTo>
+                  <a:pt x="0" y="120000"/>
+                </a:lnTo>
+                <a:close/>
+              </a:path>
+            </a:pathLst>
+          </a:custGeom>
+          <a:noFill/>
+          <a:ln w="9525" cap="flat" cmpd="sng">
+            <a:solidFill>
+              <a:srgbClr val="000000"/>
+            </a:solidFill>
+            <a:prstDash val="solid"/>
+            <a:round/>
+            <a:headEnd type="none" w="sm" len="sm"/>
+            <a:tailEnd type="none" w="sm" len="sm"/>
+          </a:ln>
+        </p:spPr>
+      </p:sp>
+      <p:sp>
+        <p:nvSpPr>
+          <p:cNvPr id="208" name="Google Shape;208;p19:notes"/>
+          <p:cNvSpPr txBox="1">
+            <a:spLocks noGrp="1"/>
+          </p:cNvSpPr>
+          <p:nvPr>
+            <p:ph type="body" idx="1"/>
+          </p:nvPr>
+        </p:nvSpPr>
+        <p:spPr>
+          <a:xfrm>
+            <a:off x="685800" y="4343400"/>
+            <a:ext cx="5486400" cy="4114800"/>
+          </a:xfrm>
+          <a:prstGeom prst="rect">
+            <a:avLst/>
+          </a:prstGeom>
+          <a:noFill/>
+          <a:ln>
+            <a:noFill/>
+          </a:ln>
+        </p:spPr>
+        <p:txBody>
+          <a:bodyPr spcFirstLastPara="1" wrap="square" lIns="91425" tIns="91425" rIns="91425" bIns="91425" anchor="t" anchorCtr="0">
+            <a:noAutofit/>
+          </a:bodyPr>
+          <a:lstStyle/>
+          <a:p>
+            <a:pPr marL="0" lvl="0" indent="0" algn="l" rtl="0">
+              <a:lnSpc>
+                <a:spcPct val="100000"/>
+              </a:lnSpc>
+              <a:spcBef>
+                <a:spcPts val="0"/>
+              </a:spcBef>
+              <a:spcAft>
+                <a:spcPts val="0"/>
+              </a:spcAft>
+              <a:buClr>
+                <a:schemeClr val="dk1"/>
+              </a:buClr>
+              <a:buSzPts val="1100"/>
+              <a:buFont typeface="Arial"/>
+              <a:buNone/>
+            </a:pPr>
+            <a:endParaRPr/>
+          </a:p>
+        </p:txBody>
+      </p:sp>
+    </p:spTree>
+    <p:extLst>
+      <p:ext uri="{BB962C8B-B14F-4D97-AF65-F5344CB8AC3E}">
+        <p14:creationId xmlns:p14="http://schemas.microsoft.com/office/powerpoint/2010/main" val="3104029439"/>
+      </p:ext>
+    </p:extLst>
+  </p:cSld>
+  <p:clrMapOvr>
+    <a:masterClrMapping/>
+  </p:clrMapOvr>
+</p:notes>
+</file>
+
+<file path=ppt/notesSlides/notesSlide4.xml><?xml version="1.0" encoding="utf-8"?>
 <p:notes xmlns:a="http://schemas.openxmlformats.org/drawingml/2006/main" xmlns:r="http://schemas.openxmlformats.org/officeDocument/2006/relationships" xmlns:p="http://schemas.openxmlformats.org/presentationml/2006/main" showMasterSp="0" showMasterPhAnim="0">
   <p:cSld>
     <p:spTree>
@@ -20769,6 +20901,586 @@
 </file>
 
 <file path=ppt/slides/slide3.xml><?xml version="1.0" encoding="utf-8"?>
+<p:sld xmlns:a="http://schemas.openxmlformats.org/drawingml/2006/main" xmlns:r="http://schemas.openxmlformats.org/officeDocument/2006/relationships" xmlns:p="http://schemas.openxmlformats.org/presentationml/2006/main">
+  <p:cSld>
+    <p:spTree>
+      <p:nvGrpSpPr>
+        <p:cNvPr id="1" name="Shape 209"/>
+        <p:cNvGrpSpPr/>
+        <p:nvPr/>
+      </p:nvGrpSpPr>
+      <p:grpSpPr>
+        <a:xfrm>
+          <a:off x="0" y="0"/>
+          <a:ext cx="0" cy="0"/>
+          <a:chOff x="0" y="0"/>
+          <a:chExt cx="0" cy="0"/>
+        </a:xfrm>
+      </p:grpSpPr>
+      <p:sp>
+        <p:nvSpPr>
+          <p:cNvPr id="210" name="Google Shape;210;p19"/>
+          <p:cNvSpPr txBox="1">
+            <a:spLocks noGrp="1"/>
+          </p:cNvSpPr>
+          <p:nvPr>
+            <p:ph type="ctrTitle"/>
+          </p:nvPr>
+        </p:nvSpPr>
+        <p:spPr>
+          <a:xfrm>
+            <a:off x="387900" y="3811550"/>
+            <a:ext cx="8520600" cy="201300"/>
+          </a:xfrm>
+          <a:prstGeom prst="rect">
+            <a:avLst/>
+          </a:prstGeom>
+          <a:noFill/>
+          <a:ln>
+            <a:noFill/>
+          </a:ln>
+        </p:spPr>
+        <p:txBody>
+          <a:bodyPr spcFirstLastPara="1" wrap="square" lIns="91425" tIns="91425" rIns="91425" bIns="91425" anchor="ctr" anchorCtr="0">
+            <a:noAutofit/>
+          </a:bodyPr>
+          <a:lstStyle/>
+          <a:p>
+            <a:pPr marL="0" lvl="0" indent="0" algn="l" rtl="0">
+              <a:lnSpc>
+                <a:spcPct val="100000"/>
+              </a:lnSpc>
+              <a:spcBef>
+                <a:spcPts val="7200"/>
+              </a:spcBef>
+              <a:spcAft>
+                <a:spcPts val="0"/>
+              </a:spcAft>
+              <a:buClr>
+                <a:schemeClr val="dk1"/>
+              </a:buClr>
+              <a:buSzPts val="1100"/>
+              <a:buFont typeface="Arial"/>
+              <a:buNone/>
+            </a:pPr>
+            <a:r>
+              <a:rPr lang="en-US" sz="2000">
+                <a:solidFill>
+                  <a:srgbClr val="404040"/>
+                </a:solidFill>
+                <a:latin typeface="Century Gothic"/>
+                <a:ea typeface="Century Gothic"/>
+                <a:cs typeface="Century Gothic"/>
+                <a:sym typeface="Century Gothic"/>
+              </a:rPr>
+              <a:t>[Nome do palestrante]</a:t>
+            </a:r>
+            <a:br>
+              <a:rPr lang="en-US" sz="2000">
+                <a:solidFill>
+                  <a:srgbClr val="404040"/>
+                </a:solidFill>
+                <a:latin typeface="Century Gothic"/>
+                <a:ea typeface="Century Gothic"/>
+                <a:cs typeface="Century Gothic"/>
+                <a:sym typeface="Century Gothic"/>
+              </a:rPr>
+            </a:br>
+            <a:r>
+              <a:rPr lang="en-US" sz="1500">
+                <a:solidFill>
+                  <a:srgbClr val="404040"/>
+                </a:solidFill>
+                <a:latin typeface="Century Gothic"/>
+                <a:ea typeface="Century Gothic"/>
+                <a:cs typeface="Century Gothic"/>
+                <a:sym typeface="Century Gothic"/>
+              </a:rPr>
+              <a:t>[Posição]</a:t>
+            </a:r>
+            <a:endParaRPr sz="1500">
+              <a:solidFill>
+                <a:srgbClr val="404040"/>
+              </a:solidFill>
+              <a:latin typeface="Century Gothic"/>
+              <a:ea typeface="Century Gothic"/>
+              <a:cs typeface="Century Gothic"/>
+              <a:sym typeface="Century Gothic"/>
+            </a:endParaRPr>
+          </a:p>
+        </p:txBody>
+      </p:sp>
+      <p:sp>
+        <p:nvSpPr>
+          <p:cNvPr id="211" name="Google Shape;211;p19"/>
+          <p:cNvSpPr txBox="1">
+            <a:spLocks noGrp="1"/>
+          </p:cNvSpPr>
+          <p:nvPr>
+            <p:ph type="ctrTitle"/>
+          </p:nvPr>
+        </p:nvSpPr>
+        <p:spPr>
+          <a:xfrm>
+            <a:off x="311700" y="756825"/>
+            <a:ext cx="8520600" cy="506400"/>
+          </a:xfrm>
+          <a:prstGeom prst="rect">
+            <a:avLst/>
+          </a:prstGeom>
+          <a:noFill/>
+          <a:ln>
+            <a:noFill/>
+          </a:ln>
+        </p:spPr>
+        <p:txBody>
+          <a:bodyPr spcFirstLastPara="1" wrap="square" lIns="91425" tIns="91425" rIns="91425" bIns="91425" anchor="ctr" anchorCtr="0">
+            <a:noAutofit/>
+          </a:bodyPr>
+          <a:lstStyle/>
+          <a:p>
+            <a:pPr marL="0" lvl="0" indent="0" algn="l" rtl="0">
+              <a:lnSpc>
+                <a:spcPct val="100000"/>
+              </a:lnSpc>
+              <a:spcBef>
+                <a:spcPts val="7200"/>
+              </a:spcBef>
+              <a:spcAft>
+                <a:spcPts val="0"/>
+              </a:spcAft>
+              <a:buClr>
+                <a:schemeClr val="dk1"/>
+              </a:buClr>
+              <a:buSzPts val="1100"/>
+              <a:buFont typeface="Arial"/>
+              <a:buNone/>
+            </a:pPr>
+            <a:r>
+              <a:rPr lang="en-US" sz="3600">
+                <a:solidFill>
+                  <a:srgbClr val="F78321"/>
+                </a:solidFill>
+                <a:latin typeface="Century Gothic"/>
+                <a:ea typeface="Century Gothic"/>
+                <a:cs typeface="Century Gothic"/>
+                <a:sym typeface="Century Gothic"/>
+              </a:rPr>
+              <a:t>[Nome do curso]</a:t>
+            </a:r>
+            <a:endParaRPr sz="3600">
+              <a:solidFill>
+                <a:srgbClr val="F78321"/>
+              </a:solidFill>
+              <a:latin typeface="Century Gothic"/>
+              <a:ea typeface="Century Gothic"/>
+              <a:cs typeface="Century Gothic"/>
+              <a:sym typeface="Century Gothic"/>
+            </a:endParaRPr>
+          </a:p>
+        </p:txBody>
+      </p:sp>
+      <p:sp>
+        <p:nvSpPr>
+          <p:cNvPr id="212" name="Google Shape;212;p19"/>
+          <p:cNvSpPr txBox="1">
+            <a:spLocks noGrp="1"/>
+          </p:cNvSpPr>
+          <p:nvPr>
+            <p:ph type="subTitle" idx="1"/>
+          </p:nvPr>
+        </p:nvSpPr>
+        <p:spPr>
+          <a:xfrm>
+            <a:off x="311700" y="1828950"/>
+            <a:ext cx="8520600" cy="133800"/>
+          </a:xfrm>
+          <a:prstGeom prst="rect">
+            <a:avLst/>
+          </a:prstGeom>
+          <a:noFill/>
+          <a:ln>
+            <a:noFill/>
+          </a:ln>
+        </p:spPr>
+        <p:txBody>
+          <a:bodyPr spcFirstLastPara="1" wrap="square" lIns="91425" tIns="91425" rIns="91425" bIns="91425" anchor="ctr" anchorCtr="0">
+            <a:noAutofit/>
+          </a:bodyPr>
+          <a:lstStyle/>
+          <a:p>
+            <a:pPr marL="0" lvl="0" indent="0" algn="l" rtl="0">
+              <a:lnSpc>
+                <a:spcPct val="100000"/>
+              </a:lnSpc>
+              <a:spcBef>
+                <a:spcPts val="7200"/>
+              </a:spcBef>
+              <a:spcAft>
+                <a:spcPts val="0"/>
+              </a:spcAft>
+              <a:buClr>
+                <a:schemeClr val="dk1"/>
+              </a:buClr>
+              <a:buSzPts val="1100"/>
+              <a:buFont typeface="Arial"/>
+              <a:buNone/>
+            </a:pPr>
+            <a:r>
+              <a:rPr lang="en-US" sz="6600" b="1">
+                <a:solidFill>
+                  <a:srgbClr val="404040"/>
+                </a:solidFill>
+                <a:latin typeface="Century Gothic"/>
+                <a:ea typeface="Century Gothic"/>
+                <a:cs typeface="Century Gothic"/>
+                <a:sym typeface="Century Gothic"/>
+              </a:rPr>
+              <a:t>[Nome da aula]</a:t>
+            </a:r>
+            <a:endParaRPr sz="6600" b="1">
+              <a:solidFill>
+                <a:srgbClr val="404040"/>
+              </a:solidFill>
+              <a:latin typeface="Century Gothic"/>
+              <a:ea typeface="Century Gothic"/>
+              <a:cs typeface="Century Gothic"/>
+              <a:sym typeface="Century Gothic"/>
+            </a:endParaRPr>
+          </a:p>
+        </p:txBody>
+      </p:sp>
+      <p:sp>
+        <p:nvSpPr>
+          <p:cNvPr id="213" name="Google Shape;213;p19"/>
+          <p:cNvSpPr/>
+          <p:nvPr/>
+        </p:nvSpPr>
+        <p:spPr>
+          <a:xfrm>
+            <a:off x="465750" y="3872065"/>
+            <a:ext cx="447600" cy="57300"/>
+          </a:xfrm>
+          <a:prstGeom prst="rect">
+            <a:avLst/>
+          </a:prstGeom>
+          <a:solidFill>
+            <a:srgbClr val="F78321"/>
+          </a:solidFill>
+          <a:ln w="9525" cap="flat" cmpd="sng">
+            <a:solidFill>
+              <a:srgbClr val="F78321"/>
+            </a:solidFill>
+            <a:prstDash val="solid"/>
+            <a:round/>
+            <a:headEnd type="none" w="sm" len="sm"/>
+            <a:tailEnd type="none" w="sm" len="sm"/>
+          </a:ln>
+        </p:spPr>
+        <p:txBody>
+          <a:bodyPr spcFirstLastPara="1" wrap="square" lIns="91425" tIns="91425" rIns="91425" bIns="91425" anchor="ctr" anchorCtr="0">
+            <a:noAutofit/>
+          </a:bodyPr>
+          <a:lstStyle/>
+          <a:p>
+            <a:pPr marL="0" marR="0" lvl="0" indent="0" algn="l" rtl="0">
+              <a:lnSpc>
+                <a:spcPct val="100000"/>
+              </a:lnSpc>
+              <a:spcBef>
+                <a:spcPts val="0"/>
+              </a:spcBef>
+              <a:spcAft>
+                <a:spcPts val="0"/>
+              </a:spcAft>
+              <a:buClr>
+                <a:srgbClr val="000000"/>
+              </a:buClr>
+              <a:buSzPts val="1400"/>
+              <a:buFont typeface="Arial"/>
+              <a:buNone/>
+            </a:pPr>
+            <a:endParaRPr sz="1400" b="0" i="0" u="none" strike="noStrike" cap="none">
+              <a:solidFill>
+                <a:srgbClr val="000000"/>
+              </a:solidFill>
+              <a:latin typeface="Arial"/>
+              <a:ea typeface="Arial"/>
+              <a:cs typeface="Arial"/>
+              <a:sym typeface="Arial"/>
+            </a:endParaRPr>
+          </a:p>
+        </p:txBody>
+      </p:sp>
+      <p:sp>
+        <p:nvSpPr>
+          <p:cNvPr id="214" name="Google Shape;214;p19"/>
+          <p:cNvSpPr/>
+          <p:nvPr/>
+        </p:nvSpPr>
+        <p:spPr>
+          <a:xfrm>
+            <a:off x="0" y="28650"/>
+            <a:ext cx="9144000" cy="5086050"/>
+          </a:xfrm>
+          <a:prstGeom prst="rect">
+            <a:avLst/>
+          </a:prstGeom>
+          <a:solidFill>
+            <a:srgbClr val="404040"/>
+          </a:solidFill>
+          <a:ln w="9525" cap="flat" cmpd="sng">
+            <a:solidFill>
+              <a:srgbClr val="404040"/>
+            </a:solidFill>
+            <a:prstDash val="solid"/>
+            <a:round/>
+            <a:headEnd type="none" w="sm" len="sm"/>
+            <a:tailEnd type="none" w="sm" len="sm"/>
+          </a:ln>
+        </p:spPr>
+        <p:txBody>
+          <a:bodyPr spcFirstLastPara="1" wrap="square" lIns="91425" tIns="91425" rIns="91425" bIns="91425" anchor="ctr" anchorCtr="0">
+            <a:noAutofit/>
+          </a:bodyPr>
+          <a:lstStyle/>
+          <a:p>
+            <a:pPr marL="0" marR="0" lvl="0" indent="0" algn="l" rtl="0">
+              <a:lnSpc>
+                <a:spcPct val="100000"/>
+              </a:lnSpc>
+              <a:spcBef>
+                <a:spcPts val="0"/>
+              </a:spcBef>
+              <a:spcAft>
+                <a:spcPts val="0"/>
+              </a:spcAft>
+              <a:buClr>
+                <a:srgbClr val="000000"/>
+              </a:buClr>
+              <a:buSzPts val="1400"/>
+              <a:buFont typeface="Arial"/>
+              <a:buNone/>
+            </a:pPr>
+            <a:endParaRPr sz="1400" b="0" i="0" strike="noStrike" cap="none" dirty="0">
+              <a:solidFill>
+                <a:srgbClr val="000000"/>
+              </a:solidFill>
+              <a:latin typeface="Arial"/>
+              <a:ea typeface="Arial"/>
+              <a:cs typeface="Arial"/>
+              <a:sym typeface="Arial"/>
+            </a:endParaRPr>
+          </a:p>
+        </p:txBody>
+      </p:sp>
+      <p:sp>
+        <p:nvSpPr>
+          <p:cNvPr id="215" name="Google Shape;215;p19"/>
+          <p:cNvSpPr/>
+          <p:nvPr/>
+        </p:nvSpPr>
+        <p:spPr>
+          <a:xfrm>
+            <a:off x="0" y="0"/>
+            <a:ext cx="9144000" cy="57300"/>
+          </a:xfrm>
+          <a:prstGeom prst="rect">
+            <a:avLst/>
+          </a:prstGeom>
+          <a:solidFill>
+            <a:srgbClr val="F78321"/>
+          </a:solidFill>
+          <a:ln w="9525" cap="flat" cmpd="sng">
+            <a:solidFill>
+              <a:srgbClr val="F78321"/>
+            </a:solidFill>
+            <a:prstDash val="solid"/>
+            <a:round/>
+            <a:headEnd type="none" w="sm" len="sm"/>
+            <a:tailEnd type="none" w="sm" len="sm"/>
+          </a:ln>
+        </p:spPr>
+        <p:txBody>
+          <a:bodyPr spcFirstLastPara="1" wrap="square" lIns="91425" tIns="91425" rIns="91425" bIns="91425" anchor="ctr" anchorCtr="0">
+            <a:noAutofit/>
+          </a:bodyPr>
+          <a:lstStyle/>
+          <a:p>
+            <a:pPr marL="0" marR="0" lvl="0" indent="0" algn="l" rtl="0">
+              <a:lnSpc>
+                <a:spcPct val="100000"/>
+              </a:lnSpc>
+              <a:spcBef>
+                <a:spcPts val="0"/>
+              </a:spcBef>
+              <a:spcAft>
+                <a:spcPts val="0"/>
+              </a:spcAft>
+              <a:buClr>
+                <a:srgbClr val="000000"/>
+              </a:buClr>
+              <a:buSzPts val="1400"/>
+              <a:buFont typeface="Arial"/>
+              <a:buNone/>
+            </a:pPr>
+            <a:endParaRPr sz="1400" b="0" i="0" u="none" strike="noStrike" cap="none">
+              <a:solidFill>
+                <a:srgbClr val="000000"/>
+              </a:solidFill>
+              <a:latin typeface="Arial"/>
+              <a:ea typeface="Arial"/>
+              <a:cs typeface="Arial"/>
+              <a:sym typeface="Arial"/>
+            </a:endParaRPr>
+          </a:p>
+        </p:txBody>
+      </p:sp>
+      <p:pic>
+        <p:nvPicPr>
+          <p:cNvPr id="216" name="Google Shape;216;p19"/>
+          <p:cNvPicPr preferRelativeResize="0"/>
+          <p:nvPr/>
+        </p:nvPicPr>
+        <p:blipFill rotWithShape="1">
+          <a:blip r:embed="rId3">
+            <a:alphaModFix/>
+          </a:blip>
+          <a:srcRect/>
+          <a:stretch/>
+        </p:blipFill>
+        <p:spPr>
+          <a:xfrm>
+            <a:off x="311700" y="260014"/>
+            <a:ext cx="1698849" cy="591371"/>
+          </a:xfrm>
+          <a:prstGeom prst="rect">
+            <a:avLst/>
+          </a:prstGeom>
+          <a:noFill/>
+          <a:ln>
+            <a:noFill/>
+          </a:ln>
+        </p:spPr>
+      </p:pic>
+      <p:sp>
+        <p:nvSpPr>
+          <p:cNvPr id="217" name="Google Shape;217;p19"/>
+          <p:cNvSpPr/>
+          <p:nvPr/>
+        </p:nvSpPr>
+        <p:spPr>
+          <a:xfrm>
+            <a:off x="0" y="4839750"/>
+            <a:ext cx="9144000" cy="303600"/>
+          </a:xfrm>
+          <a:prstGeom prst="rect">
+            <a:avLst/>
+          </a:prstGeom>
+          <a:solidFill>
+            <a:schemeClr val="lt1"/>
+          </a:solidFill>
+          <a:ln w="9525" cap="flat" cmpd="sng">
+            <a:solidFill>
+              <a:schemeClr val="lt1"/>
+            </a:solidFill>
+            <a:prstDash val="solid"/>
+            <a:round/>
+            <a:headEnd type="none" w="sm" len="sm"/>
+            <a:tailEnd type="none" w="sm" len="sm"/>
+          </a:ln>
+        </p:spPr>
+        <p:txBody>
+          <a:bodyPr spcFirstLastPara="1" wrap="square" lIns="91425" tIns="91425" rIns="91425" bIns="91425" anchor="ctr" anchorCtr="0">
+            <a:noAutofit/>
+          </a:bodyPr>
+          <a:lstStyle/>
+          <a:p>
+            <a:pPr marL="0" marR="0" lvl="0" indent="0" algn="l" rtl="0">
+              <a:lnSpc>
+                <a:spcPct val="100000"/>
+              </a:lnSpc>
+              <a:spcBef>
+                <a:spcPts val="0"/>
+              </a:spcBef>
+              <a:spcAft>
+                <a:spcPts val="0"/>
+              </a:spcAft>
+              <a:buClr>
+                <a:srgbClr val="000000"/>
+              </a:buClr>
+              <a:buSzPts val="1400"/>
+              <a:buFont typeface="Arial"/>
+              <a:buNone/>
+            </a:pPr>
+            <a:endParaRPr sz="1400" b="0" i="0" u="none" strike="noStrike" cap="none">
+              <a:solidFill>
+                <a:schemeClr val="lt1"/>
+              </a:solidFill>
+              <a:latin typeface="Arial"/>
+              <a:ea typeface="Arial"/>
+              <a:cs typeface="Arial"/>
+              <a:sym typeface="Arial"/>
+            </a:endParaRPr>
+          </a:p>
+        </p:txBody>
+      </p:sp>
+      <p:pic>
+        <p:nvPicPr>
+          <p:cNvPr id="4" name="Imagem 3">
+            <a:extLst>
+              <a:ext uri="{FF2B5EF4-FFF2-40B4-BE49-F238E27FC236}">
+                <a16:creationId xmlns:a16="http://schemas.microsoft.com/office/drawing/2014/main" id="{7CBDA6C0-40C9-4A6E-A6EA-87F71FEC9E49}"/>
+              </a:ext>
+            </a:extLst>
+          </p:cNvPr>
+          <p:cNvPicPr>
+            <a:picLocks noChangeAspect="1"/>
+          </p:cNvPicPr>
+          <p:nvPr/>
+        </p:nvPicPr>
+        <p:blipFill>
+          <a:blip r:embed="rId4"/>
+          <a:stretch>
+            <a:fillRect/>
+          </a:stretch>
+        </p:blipFill>
+        <p:spPr>
+          <a:xfrm>
+            <a:off x="2651608" y="92159"/>
+            <a:ext cx="3840784" cy="4655496"/>
+          </a:xfrm>
+          <a:prstGeom prst="rect">
+            <a:avLst/>
+          </a:prstGeom>
+        </p:spPr>
+      </p:pic>
+    </p:spTree>
+    <p:extLst>
+      <p:ext uri="{BB962C8B-B14F-4D97-AF65-F5344CB8AC3E}">
+        <p14:creationId xmlns:p14="http://schemas.microsoft.com/office/powerpoint/2010/main" val="3618351066"/>
+      </p:ext>
+    </p:extLst>
+  </p:cSld>
+  <p:clrMapOvr>
+    <a:masterClrMapping/>
+  </p:clrMapOvr>
+  <mc:AlternateContent xmlns:mc="http://schemas.openxmlformats.org/markup-compatibility/2006" xmlns:p14="http://schemas.microsoft.com/office/powerpoint/2010/main">
+    <mc:Choice Requires="p14">
+      <p:transition spd="med" p14:dur="700">
+        <p:fade/>
+      </p:transition>
+    </mc:Choice>
+    <mc:Fallback xmlns:ahyp="http://schemas.microsoft.com/office/drawing/2018/hyperlinkcolor" xmlns:p15="http://schemas.microsoft.com/office/powerpoint/2012/main" xmlns:com="http://schemas.openxmlformats.org/drawingml/2006/compatibility" xmlns:pvml="urn:schemas-microsoft-com:office:powerpoint" xmlns:v="urn:schemas-microsoft-com:vml" xmlns:o="urn:schemas-microsoft-com:office:office" xmlns:dgm="http://schemas.openxmlformats.org/drawingml/2006/diagram" xmlns:c="http://schemas.openxmlformats.org/drawingml/2006/chart" xmlns:mv="urn:schemas-microsoft-com:mac:vml" xmlns="">
+      <p:transition spd="slow">
+        <p:fade/>
+      </p:transition>
+    </mc:Fallback>
+  </mc:AlternateContent>
+</p:sld>
+</file>
+
+<file path=ppt/slides/slide4.xml><?xml version="1.0" encoding="utf-8"?>
 <p:sld xmlns:a="http://schemas.openxmlformats.org/drawingml/2006/main" xmlns:r="http://schemas.openxmlformats.org/officeDocument/2006/relationships" xmlns:p="http://schemas.openxmlformats.org/presentationml/2006/main">
   <p:cSld>
     <p:spTree>
